--- a/resources/MAP12019Chicago.pptx
+++ b/resources/MAP12019Chicago.pptx
@@ -3121,8 +3121,8 @@
         </p:nvSpPr>
         <p:spPr>
           <a:xfrm>
-            <a:off x="2479488" y="656903"/>
-            <a:ext cx="8780182" cy="1076647"/>
+            <a:off x="2479488" y="656904"/>
+            <a:ext cx="9553486" cy="946610"/>
           </a:xfrm>
           <a:prstGeom prst="rect">
             <a:avLst/>
@@ -3133,7 +3133,7 @@
         </p:spPr>
         <p:txBody>
           <a:bodyPr anchor="t">
-            <a:normAutofit/>
+            <a:normAutofit fontScale="85000" lnSpcReduction="10000"/>
           </a:bodyPr>
           <a:lstStyle/>
           <a:p>
@@ -3151,8 +3151,8 @@
               </a:defRPr>
             </a:pPr>
             <a:r>
-              <a:rPr lang="en-US" dirty="0"/>
-              <a:t>What the Algorithm Found</a:t>
+              <a:rPr lang="en-US" dirty="0" smtClean="0"/>
+              <a:t>What was discovered in the Data</a:t>
             </a:r>
             <a:endParaRPr dirty="0"/>
           </a:p>
